--- a/materials/slides/ch03-1-linux-how-to.pptx
+++ b/materials/slides/ch03-1-linux-how-to.pptx
@@ -225,7 +225,7 @@
           <a:p>
             <a:fld id="{E923E828-953C-4D4A-9B10-11E7329F433D}" type="datetimeFigureOut">
               <a:rPr lang="zh-CN" altLang="en-US" smtClean="0"/>
-              <a:t>2018/3/19</a:t>
+              <a:t>2018/4/15</a:t>
             </a:fld>
             <a:endParaRPr lang="zh-CN" altLang="en-US"/>
           </a:p>
@@ -406,7 +406,7 @@
           <a:p>
             <a:fld id="{867C5346-22E5-4085-8130-851344A84DFF}" type="datetimeFigureOut">
               <a:rPr lang="zh-CN" altLang="en-US" smtClean="0"/>
-              <a:t>2018/3/19</a:t>
+              <a:t>2018/4/15</a:t>
             </a:fld>
             <a:endParaRPr lang="zh-CN" altLang="en-US"/>
           </a:p>
@@ -916,7 +916,7 @@
           <a:p>
             <a:fld id="{A5E21016-498F-4141-B0CA-D95A38CA7D62}" type="datetimeFigureOut">
               <a:rPr lang="zh-CN" altLang="en-US" smtClean="0"/>
-              <a:t>2018/3/19</a:t>
+              <a:t>2018/4/15</a:t>
             </a:fld>
             <a:endParaRPr lang="zh-CN" altLang="en-US"/>
           </a:p>
@@ -1146,7 +1146,7 @@
           <a:p>
             <a:fld id="{A5E21016-498F-4141-B0CA-D95A38CA7D62}" type="datetimeFigureOut">
               <a:rPr lang="zh-CN" altLang="en-US" smtClean="0"/>
-              <a:t>2018/3/19</a:t>
+              <a:t>2018/4/15</a:t>
             </a:fld>
             <a:endParaRPr lang="zh-CN" altLang="en-US"/>
           </a:p>
@@ -1381,7 +1381,7 @@
           <a:p>
             <a:fld id="{A5E21016-498F-4141-B0CA-D95A38CA7D62}" type="datetimeFigureOut">
               <a:rPr lang="zh-CN" altLang="en-US" smtClean="0"/>
-              <a:t>2018/3/19</a:t>
+              <a:t>2018/4/15</a:t>
             </a:fld>
             <a:endParaRPr lang="zh-CN" altLang="en-US"/>
           </a:p>
@@ -1943,7 +1943,7 @@
           <a:p>
             <a:fld id="{A5E21016-498F-4141-B0CA-D95A38CA7D62}" type="datetimeFigureOut">
               <a:rPr lang="zh-CN" altLang="en-US" smtClean="0"/>
-              <a:t>2018/3/19</a:t>
+              <a:t>2018/4/15</a:t>
             </a:fld>
             <a:endParaRPr lang="zh-CN" altLang="en-US"/>
           </a:p>
@@ -2240,7 +2240,7 @@
           <a:p>
             <a:fld id="{A5E21016-498F-4141-B0CA-D95A38CA7D62}" type="datetimeFigureOut">
               <a:rPr lang="zh-CN" altLang="en-US" smtClean="0"/>
-              <a:t>2018/3/19</a:t>
+              <a:t>2018/4/15</a:t>
             </a:fld>
             <a:endParaRPr lang="zh-CN" altLang="en-US"/>
           </a:p>
@@ -2679,7 +2679,7 @@
           <a:p>
             <a:fld id="{A5E21016-498F-4141-B0CA-D95A38CA7D62}" type="datetimeFigureOut">
               <a:rPr lang="zh-CN" altLang="en-US" smtClean="0"/>
-              <a:t>2018/3/19</a:t>
+              <a:t>2018/4/15</a:t>
             </a:fld>
             <a:endParaRPr lang="zh-CN" altLang="en-US"/>
           </a:p>
@@ -2852,7 +2852,7 @@
           <a:p>
             <a:fld id="{A5E21016-498F-4141-B0CA-D95A38CA7D62}" type="datetimeFigureOut">
               <a:rPr lang="zh-CN" altLang="en-US" smtClean="0"/>
-              <a:t>2018/3/19</a:t>
+              <a:t>2018/4/15</a:t>
             </a:fld>
             <a:endParaRPr lang="zh-CN" altLang="en-US"/>
           </a:p>
@@ -2989,7 +2989,7 @@
           <a:p>
             <a:fld id="{A5E21016-498F-4141-B0CA-D95A38CA7D62}" type="datetimeFigureOut">
               <a:rPr lang="zh-CN" altLang="en-US" smtClean="0"/>
-              <a:t>2018/3/19</a:t>
+              <a:t>2018/4/15</a:t>
             </a:fld>
             <a:endParaRPr lang="zh-CN" altLang="en-US"/>
           </a:p>
@@ -3327,7 +3327,7 @@
           <a:p>
             <a:fld id="{A5E21016-498F-4141-B0CA-D95A38CA7D62}" type="datetimeFigureOut">
               <a:rPr lang="zh-CN" altLang="en-US" smtClean="0"/>
-              <a:t>2018/3/19</a:t>
+              <a:t>2018/4/15</a:t>
             </a:fld>
             <a:endParaRPr lang="zh-CN" altLang="en-US"/>
           </a:p>
@@ -3642,7 +3642,7 @@
           <a:p>
             <a:fld id="{A5E21016-498F-4141-B0CA-D95A38CA7D62}" type="datetimeFigureOut">
               <a:rPr lang="zh-CN" altLang="en-US" smtClean="0"/>
-              <a:t>2018/3/19</a:t>
+              <a:t>2018/4/15</a:t>
             </a:fld>
             <a:endParaRPr lang="zh-CN" altLang="en-US"/>
           </a:p>
@@ -5465,12 +5465,16 @@
               <a:t>:s/</a:t>
             </a:r>
             <a:r>
-              <a:rPr lang="en-US" altLang="zh-CN" sz="1600" dirty="0" err="1"/>
+              <a:rPr lang="en-US" altLang="zh-CN" sz="1600" err="1"/>
               <a:t>php</a:t>
             </a:r>
             <a:r>
+              <a:rPr lang="en-US" altLang="zh-CN" sz="1600"/>
+              <a:t>/c/</a:t>
+            </a:r>
+            <a:r>
               <a:rPr lang="en-US" altLang="zh-CN" sz="1600" dirty="0"/>
-              <a:t>//g</a:t>
+              <a:t>g</a:t>
             </a:r>
             <a:r>
               <a:rPr lang="zh-CN" altLang="en-US" sz="1600" dirty="0"/>
